--- a/Final SPK/Presentasi v2.2.pptx
+++ b/Final SPK/Presentasi v2.2.pptx
@@ -136,7 +136,7 @@
   </p:defaultTextStyle>
   <p:extLst>
     <p:ext uri="{EFAFB233-063F-42B5-8137-9DF3F51BA10A}">
-      <p15:sldGuideLst xmlns="" xmlns:p15="http://schemas.microsoft.com/office/powerpoint/2012/main">
+      <p15:sldGuideLst xmlns:p15="http://schemas.microsoft.com/office/powerpoint/2012/main" xmlns="">
         <p15:guide id="1" orient="horz" pos="2160">
           <p15:clr>
             <a:srgbClr val="A4A3A4"/>
@@ -9076,12 +9076,12 @@
           <a:graphicData uri="http://schemas.openxmlformats.org/presentationml/2006/ole">
             <mc:AlternateContent xmlns:mc="http://schemas.openxmlformats.org/markup-compatibility/2006">
               <mc:Choice xmlns:v="urn:schemas-microsoft-com:vml" Requires="v">
-                <p:oleObj spid="_x0000_s3085" name="Worksheet" showAsIcon="1" r:id="rId3" imgW="914400" imgH="771480" progId="Excel.Sheet.12">
+                <p:oleObj spid="_x0000_s3086" name="Worksheet" showAsIcon="1" r:id="rId4" imgW="914400" imgH="771480" progId="Excel.Sheet.12">
                   <p:embed/>
                 </p:oleObj>
               </mc:Choice>
               <mc:Fallback>
-                <p:oleObj name="Worksheet" showAsIcon="1" r:id="rId3" imgW="914400" imgH="771480" progId="Excel.Sheet.12">
+                <p:oleObj name="Worksheet" showAsIcon="1" r:id="rId4" imgW="914400" imgH="771480" progId="Excel.Sheet.12">
                   <p:embed/>
                   <p:pic>
                     <p:nvPicPr>
@@ -9090,7 +9090,7 @@
                       <p:nvPr/>
                     </p:nvPicPr>
                     <p:blipFill>
-                      <a:blip r:embed="rId4"/>
+                      <a:blip r:embed="rId5"/>
                       <a:stretch>
                         <a:fillRect/>
                       </a:stretch>
@@ -12885,12 +12885,12 @@
           <a:graphicData uri="http://schemas.openxmlformats.org/presentationml/2006/ole">
             <mc:AlternateContent xmlns:mc="http://schemas.openxmlformats.org/markup-compatibility/2006">
               <mc:Choice xmlns:v="urn:schemas-microsoft-com:vml" Requires="v">
-                <p:oleObj spid="_x0000_s1066" name="Worksheet" showAsIcon="1" r:id="rId3" imgW="914400" imgH="771480" progId="Excel.Sheet.12">
+                <p:oleObj spid="_x0000_s1068" name="Worksheet" showAsIcon="1" r:id="rId4" imgW="914400" imgH="771480" progId="Excel.Sheet.12">
                   <p:embed/>
                 </p:oleObj>
               </mc:Choice>
               <mc:Fallback>
-                <p:oleObj name="Worksheet" showAsIcon="1" r:id="rId3" imgW="914400" imgH="771480" progId="Excel.Sheet.12">
+                <p:oleObj name="Worksheet" showAsIcon="1" r:id="rId4" imgW="914400" imgH="771480" progId="Excel.Sheet.12">
                   <p:embed/>
                   <p:pic>
                     <p:nvPicPr>
@@ -12899,7 +12899,7 @@
                       <p:nvPr/>
                     </p:nvPicPr>
                     <p:blipFill>
-                      <a:blip r:embed="rId4"/>
+                      <a:blip r:embed="rId5"/>
                       <a:stretch>
                         <a:fillRect/>
                       </a:stretch>
@@ -12976,12 +12976,12 @@
           <a:graphicData uri="http://schemas.openxmlformats.org/presentationml/2006/ole">
             <mc:AlternateContent xmlns:mc="http://schemas.openxmlformats.org/markup-compatibility/2006">
               <mc:Choice xmlns:v="urn:schemas-microsoft-com:vml" Requires="v">
-                <p:oleObj spid="_x0000_s1067" name="Worksheet" showAsIcon="1" r:id="rId5" imgW="914400" imgH="771480" progId="Excel.Sheet.12">
+                <p:oleObj spid="_x0000_s1069" name="Worksheet" showAsIcon="1" r:id="rId7" imgW="914400" imgH="771480" progId="Excel.Sheet.12">
                   <p:embed/>
                 </p:oleObj>
               </mc:Choice>
               <mc:Fallback>
-                <p:oleObj name="Worksheet" showAsIcon="1" r:id="rId5" imgW="914400" imgH="771480" progId="Excel.Sheet.12">
+                <p:oleObj name="Worksheet" showAsIcon="1" r:id="rId7" imgW="914400" imgH="771480" progId="Excel.Sheet.12">
                   <p:embed/>
                   <p:pic>
                     <p:nvPicPr>
@@ -12990,7 +12990,7 @@
                       <p:nvPr/>
                     </p:nvPicPr>
                     <p:blipFill>
-                      <a:blip r:embed="rId6"/>
+                      <a:blip r:embed="rId8"/>
                       <a:stretch>
                         <a:fillRect/>
                       </a:stretch>
@@ -13057,7 +13057,7 @@
       <p:sp>
         <p:nvSpPr>
           <p:cNvPr id="10" name="Isosceles Triangle 9">
-            <a:hlinkClick r:id="rId7" action="ppaction://hlinksldjump"/>
+            <a:hlinkClick r:id="rId9" action="ppaction://hlinksldjump"/>
           </p:cNvPr>
           <p:cNvSpPr/>
           <p:nvPr/>
@@ -14664,11 +14664,7 @@
             </a:r>
             <a:r>
               <a:rPr lang="en-US" dirty="0" smtClean="0"/>
-              <a:t> </a:t>
-            </a:r>
-            <a:r>
-              <a:rPr lang="en-US" dirty="0" smtClean="0"/>
-              <a:t>di </a:t>
+              <a:t> di </a:t>
             </a:r>
             <a:r>
               <a:rPr lang="en-US" dirty="0" err="1"/>
@@ -14964,7 +14960,6 @@
               <a:rPr lang="en-US" dirty="0"/>
               <a:t>.</a:t>
             </a:r>
-            <a:endParaRPr lang="en-US" dirty="0"/>
           </a:p>
         </p:txBody>
       </p:sp>
